--- a/Front-End/Front-End 배포하기.pptx
+++ b/Front-End/Front-End 배포하기.pptx
@@ -5,16 +5,17 @@
     <p:sldMasterId id="2147483659" r:id="rId1"/>
   </p:sldMasterIdLst>
   <p:notesMasterIdLst>
-    <p:notesMasterId r:id="rId6"/>
+    <p:notesMasterId r:id="rId7"/>
   </p:notesMasterIdLst>
   <p:handoutMasterIdLst>
-    <p:handoutMasterId r:id="rId7"/>
+    <p:handoutMasterId r:id="rId8"/>
   </p:handoutMasterIdLst>
   <p:sldIdLst>
     <p:sldId id="615" r:id="rId2"/>
     <p:sldId id="619" r:id="rId3"/>
-    <p:sldId id="616" r:id="rId4"/>
-    <p:sldId id="617" r:id="rId5"/>
+    <p:sldId id="620" r:id="rId4"/>
+    <p:sldId id="616" r:id="rId5"/>
+    <p:sldId id="617" r:id="rId6"/>
   </p:sldIdLst>
   <p:sldSz cx="9144000" cy="6858000" type="screen4x3"/>
   <p:notesSz cx="6865938" cy="9998075"/>
@@ -247,7 +248,7 @@
           <a:p>
             <a:fld id="{0701E38F-D71B-4628-B377-F26FA834EB07}" type="datetimeFigureOut">
               <a:rPr lang="ko-KR" altLang="en-US" smtClean="0"/>
-              <a:t>2022-12-07</a:t>
+              <a:t>2023-01-18</a:t>
             </a:fld>
             <a:endParaRPr lang="ko-KR" altLang="en-US"/>
           </a:p>
@@ -413,7 +414,7 @@
             <a:fld id="{BC75A1C1-99F9-4ED1-B968-97F8F766565C}" type="datetimeFigureOut">
               <a:rPr lang="ko-KR" altLang="en-US" smtClean="0"/>
               <a:pPr/>
-              <a:t>2022-12-07</a:t>
+              <a:t>2023-01-18</a:t>
             </a:fld>
             <a:endParaRPr lang="ko-KR" altLang="en-US"/>
           </a:p>
@@ -3631,35 +3632,7 @@
                 <a:latin typeface="HY헤드라인M" pitchFamily="18" charset="-127"/>
                 <a:ea typeface="HY헤드라인M" pitchFamily="18" charset="-127"/>
               </a:rPr>
-              <a:t>Swing2app – </a:t>
-            </a:r>
-            <a:r>
-              <a:rPr lang="ko-KR" altLang="en-US" sz="2400" dirty="0" err="1">
-                <a:latin typeface="HY헤드라인M" pitchFamily="18" charset="-127"/>
-                <a:ea typeface="HY헤드라인M" pitchFamily="18" charset="-127"/>
-              </a:rPr>
-              <a:t>웹</a:t>
-            </a:r>
-            <a:r>
-              <a:rPr lang="ko-KR" altLang="en-US" sz="2400" dirty="0" err="1" smtClean="0">
-                <a:latin typeface="HY헤드라인M" pitchFamily="18" charset="-127"/>
-                <a:ea typeface="HY헤드라인M" pitchFamily="18" charset="-127"/>
-              </a:rPr>
-              <a:t>앱</a:t>
-            </a:r>
-            <a:r>
-              <a:rPr lang="ko-KR" altLang="en-US" sz="2400" dirty="0" smtClean="0">
-                <a:latin typeface="HY헤드라인M" pitchFamily="18" charset="-127"/>
-                <a:ea typeface="HY헤드라인M" pitchFamily="18" charset="-127"/>
-              </a:rPr>
-              <a:t> </a:t>
-            </a:r>
-            <a:r>
-              <a:rPr lang="ko-KR" altLang="en-US" sz="2400" dirty="0" smtClean="0">
-                <a:latin typeface="HY헤드라인M" pitchFamily="18" charset="-127"/>
-                <a:ea typeface="HY헤드라인M" pitchFamily="18" charset="-127"/>
-              </a:rPr>
-              <a:t>제작 도구</a:t>
+              <a:t>Netlify (PaaS)</a:t>
             </a:r>
             <a:endParaRPr lang="ko-KR" altLang="en-US" sz="2400" dirty="0">
               <a:latin typeface="HY헤드라인M" pitchFamily="18" charset="-127"/>
@@ -3742,6 +3715,296 @@
               <a:buChar char="Ø"/>
             </a:pPr>
             <a:r>
+              <a:rPr lang="en-US" altLang="ko-KR" dirty="0">
+                <a:solidFill>
+                  <a:srgbClr val="0000FF"/>
+                </a:solidFill>
+                <a:latin typeface="+mn-ea"/>
+              </a:rPr>
+              <a:t>Treating warnings as errors because process.env.CI = </a:t>
+            </a:r>
+            <a:r>
+              <a:rPr lang="en-US" altLang="ko-KR" dirty="0" smtClean="0">
+                <a:solidFill>
+                  <a:srgbClr val="0000FF"/>
+                </a:solidFill>
+                <a:latin typeface="+mn-ea"/>
+              </a:rPr>
+              <a:t>true</a:t>
+            </a:r>
+            <a:endParaRPr kumimoji="0" lang="en-US" altLang="ko-KR" sz="1100" dirty="0" smtClean="0">
+              <a:solidFill>
+                <a:schemeClr val="tx1"/>
+              </a:solidFill>
+              <a:latin typeface="+mn-ea"/>
+            </a:endParaRPr>
+          </a:p>
+          <a:p>
+            <a:pPr marL="742950" lvl="1" indent="-285750" latinLnBrk="0">
+              <a:lnSpc>
+                <a:spcPct val="150000"/>
+              </a:lnSpc>
+              <a:buFont typeface="Arial" panose="020B0604020202020204" pitchFamily="34" charset="0"/>
+              <a:buChar char="•"/>
+            </a:pPr>
+            <a:r>
+              <a:rPr kumimoji="0" lang="en-US" altLang="ko-KR" sz="1400" dirty="0" smtClean="0">
+                <a:solidFill>
+                  <a:schemeClr val="tx1"/>
+                </a:solidFill>
+                <a:latin typeface="+mn-ea"/>
+              </a:rPr>
+              <a:t>Build settings</a:t>
+            </a:r>
+          </a:p>
+          <a:p>
+            <a:pPr marL="1200150" lvl="2" indent="-285750" latinLnBrk="0">
+              <a:lnSpc>
+                <a:spcPct val="150000"/>
+              </a:lnSpc>
+              <a:buFont typeface="Wingdings" panose="05000000000000000000" pitchFamily="2" charset="2"/>
+              <a:buChar char="ü"/>
+            </a:pPr>
+            <a:r>
+              <a:rPr kumimoji="0" lang="en-US" altLang="ko-KR" sz="1200" dirty="0" smtClean="0">
+                <a:solidFill>
+                  <a:schemeClr val="tx1"/>
+                </a:solidFill>
+                <a:latin typeface="+mn-ea"/>
+              </a:rPr>
+              <a:t>Build command</a:t>
+            </a:r>
+          </a:p>
+          <a:p>
+            <a:pPr marL="1657350" lvl="3" indent="-285750" latinLnBrk="0">
+              <a:lnSpc>
+                <a:spcPct val="150000"/>
+              </a:lnSpc>
+              <a:buFont typeface="Wingdings" panose="05000000000000000000" pitchFamily="2" charset="2"/>
+              <a:buChar char="v"/>
+            </a:pPr>
+            <a:r>
+              <a:rPr kumimoji="0" lang="en-US" altLang="ko-KR" sz="1100" dirty="0" err="1" smtClean="0">
+                <a:solidFill>
+                  <a:srgbClr val="FF0000"/>
+                </a:solidFill>
+                <a:latin typeface="+mn-ea"/>
+              </a:rPr>
+              <a:t>npm</a:t>
+            </a:r>
+            <a:r>
+              <a:rPr kumimoji="0" lang="en-US" altLang="ko-KR" sz="1100" dirty="0" smtClean="0">
+                <a:solidFill>
+                  <a:srgbClr val="FF0000"/>
+                </a:solidFill>
+                <a:latin typeface="+mn-ea"/>
+              </a:rPr>
+              <a:t> run </a:t>
+            </a:r>
+            <a:r>
+              <a:rPr kumimoji="0" lang="en-US" altLang="ko-KR" sz="1100" smtClean="0">
+                <a:solidFill>
+                  <a:srgbClr val="FF0000"/>
+                </a:solidFill>
+                <a:latin typeface="+mn-ea"/>
+              </a:rPr>
+              <a:t>build → CI=false </a:t>
+            </a:r>
+            <a:r>
+              <a:rPr kumimoji="0" lang="en-US" altLang="ko-KR" sz="1100" dirty="0" err="1" smtClean="0">
+                <a:solidFill>
+                  <a:srgbClr val="FF0000"/>
+                </a:solidFill>
+                <a:latin typeface="+mn-ea"/>
+              </a:rPr>
+              <a:t>npm</a:t>
+            </a:r>
+            <a:r>
+              <a:rPr kumimoji="0" lang="en-US" altLang="ko-KR" sz="1100" dirty="0" smtClean="0">
+                <a:solidFill>
+                  <a:srgbClr val="FF0000"/>
+                </a:solidFill>
+                <a:latin typeface="+mn-ea"/>
+              </a:rPr>
+              <a:t> run build</a:t>
+            </a:r>
+            <a:endParaRPr kumimoji="0" lang="en-US" altLang="ko-KR" sz="1100" dirty="0" smtClean="0">
+              <a:solidFill>
+                <a:srgbClr val="FF0000"/>
+              </a:solidFill>
+              <a:latin typeface="+mn-ea"/>
+            </a:endParaRPr>
+          </a:p>
+        </p:txBody>
+      </p:sp>
+    </p:spTree>
+    <p:extLst>
+      <p:ext uri="{BB962C8B-B14F-4D97-AF65-F5344CB8AC3E}">
+        <p14:creationId xmlns:p14="http://schemas.microsoft.com/office/powerpoint/2010/main" val="1361403426"/>
+      </p:ext>
+    </p:extLst>
+  </p:cSld>
+  <p:clrMapOvr>
+    <a:masterClrMapping/>
+  </p:clrMapOvr>
+  <p:timing>
+    <p:tnLst>
+      <p:par>
+        <p:cTn id="1" dur="indefinite" restart="never" nodeType="tmRoot"/>
+      </p:par>
+    </p:tnLst>
+  </p:timing>
+</p:sld>
+</file>
+
+<file path=ppt/slides/slide4.xml><?xml version="1.0" encoding="utf-8"?>
+<p:sld xmlns:a="http://schemas.openxmlformats.org/drawingml/2006/main" xmlns:r="http://schemas.openxmlformats.org/officeDocument/2006/relationships" xmlns:p="http://schemas.openxmlformats.org/presentationml/2006/main">
+  <p:cSld>
+    <p:spTree>
+      <p:nvGrpSpPr>
+        <p:cNvPr id="1" name=""/>
+        <p:cNvGrpSpPr/>
+        <p:nvPr/>
+      </p:nvGrpSpPr>
+      <p:grpSpPr>
+        <a:xfrm>
+          <a:off x="0" y="0"/>
+          <a:ext cx="0" cy="0"/>
+          <a:chOff x="0" y="0"/>
+          <a:chExt cx="0" cy="0"/>
+        </a:xfrm>
+      </p:grpSpPr>
+      <p:sp>
+        <p:nvSpPr>
+          <p:cNvPr id="3" name="TextBox 2"/>
+          <p:cNvSpPr txBox="1"/>
+          <p:nvPr/>
+        </p:nvSpPr>
+        <p:spPr>
+          <a:xfrm>
+            <a:off x="548640" y="470346"/>
+            <a:ext cx="8055807" cy="461665"/>
+          </a:xfrm>
+          <a:prstGeom prst="rect">
+            <a:avLst/>
+          </a:prstGeom>
+          <a:noFill/>
+        </p:spPr>
+        <p:txBody>
+          <a:bodyPr wrap="square" rtlCol="0">
+            <a:spAutoFit/>
+          </a:bodyPr>
+          <a:lstStyle/>
+          <a:p>
+            <a:r>
+              <a:rPr lang="en-US" altLang="ko-KR" sz="2400" dirty="0" smtClean="0">
+                <a:latin typeface="HY헤드라인M" pitchFamily="18" charset="-127"/>
+                <a:ea typeface="HY헤드라인M" pitchFamily="18" charset="-127"/>
+              </a:rPr>
+              <a:t>Swing2app – </a:t>
+            </a:r>
+            <a:r>
+              <a:rPr lang="ko-KR" altLang="en-US" sz="2400" dirty="0" err="1">
+                <a:latin typeface="HY헤드라인M" pitchFamily="18" charset="-127"/>
+                <a:ea typeface="HY헤드라인M" pitchFamily="18" charset="-127"/>
+              </a:rPr>
+              <a:t>웹</a:t>
+            </a:r>
+            <a:r>
+              <a:rPr lang="ko-KR" altLang="en-US" sz="2400" dirty="0" err="1" smtClean="0">
+                <a:latin typeface="HY헤드라인M" pitchFamily="18" charset="-127"/>
+                <a:ea typeface="HY헤드라인M" pitchFamily="18" charset="-127"/>
+              </a:rPr>
+              <a:t>앱</a:t>
+            </a:r>
+            <a:r>
+              <a:rPr lang="ko-KR" altLang="en-US" sz="2400" dirty="0" smtClean="0">
+                <a:latin typeface="HY헤드라인M" pitchFamily="18" charset="-127"/>
+                <a:ea typeface="HY헤드라인M" pitchFamily="18" charset="-127"/>
+              </a:rPr>
+              <a:t> 제작 도구</a:t>
+            </a:r>
+            <a:endParaRPr lang="ko-KR" altLang="en-US" sz="2400" dirty="0">
+              <a:latin typeface="HY헤드라인M" pitchFamily="18" charset="-127"/>
+              <a:ea typeface="HY헤드라인M" pitchFamily="18" charset="-127"/>
+            </a:endParaRPr>
+          </a:p>
+        </p:txBody>
+      </p:sp>
+      <p:pic>
+        <p:nvPicPr>
+          <p:cNvPr id="2" name="그림 1"/>
+          <p:cNvPicPr>
+            <a:picLocks noChangeAspect="1"/>
+          </p:cNvPicPr>
+          <p:nvPr/>
+        </p:nvPicPr>
+        <p:blipFill>
+          <a:blip r:embed="rId2" cstate="print">
+            <a:extLst>
+              <a:ext uri="{28A0092B-C50C-407E-A947-70E740481C1C}">
+                <a14:useLocalDpi xmlns:a14="http://schemas.microsoft.com/office/drawing/2010/main" val="0"/>
+              </a:ext>
+            </a:extLst>
+          </a:blip>
+          <a:stretch>
+            <a:fillRect/>
+          </a:stretch>
+        </p:blipFill>
+        <p:spPr>
+          <a:xfrm>
+            <a:off x="7596744" y="2925352"/>
+            <a:ext cx="71600" cy="71600"/>
+          </a:xfrm>
+          <a:prstGeom prst="rect">
+            <a:avLst/>
+          </a:prstGeom>
+        </p:spPr>
+      </p:pic>
+      <p:sp>
+        <p:nvSpPr>
+          <p:cNvPr id="5" name="모서리가 둥근 직사각형 4"/>
+          <p:cNvSpPr/>
+          <p:nvPr/>
+        </p:nvSpPr>
+        <p:spPr>
+          <a:xfrm>
+            <a:off x="439982" y="1251508"/>
+            <a:ext cx="8164465" cy="5345844"/>
+          </a:xfrm>
+          <a:prstGeom prst="roundRect">
+            <a:avLst>
+              <a:gd name="adj" fmla="val 8134"/>
+            </a:avLst>
+          </a:prstGeom>
+          <a:ln/>
+        </p:spPr>
+        <p:style>
+          <a:lnRef idx="2">
+            <a:schemeClr val="accent1"/>
+          </a:lnRef>
+          <a:fillRef idx="1">
+            <a:schemeClr val="lt1"/>
+          </a:fillRef>
+          <a:effectRef idx="0">
+            <a:schemeClr val="accent1"/>
+          </a:effectRef>
+          <a:fontRef idx="minor">
+            <a:schemeClr val="dk1"/>
+          </a:fontRef>
+        </p:style>
+        <p:txBody>
+          <a:bodyPr rtlCol="0" anchor="t"/>
+          <a:lstStyle/>
+          <a:p>
+            <a:pPr marL="285750" indent="-285750">
+              <a:lnSpc>
+                <a:spcPct val="150000"/>
+              </a:lnSpc>
+              <a:buFont typeface="Wingdings" panose="05000000000000000000" pitchFamily="2" charset="2"/>
+              <a:buChar char="Ø"/>
+            </a:pPr>
+            <a:r>
               <a:rPr lang="en-US" altLang="ko-KR" sz="2000" dirty="0" smtClean="0">
                 <a:solidFill>
                   <a:srgbClr val="0000FF"/>
@@ -4258,7 +4521,7 @@
 </p:sld>
 </file>
 
-<file path=ppt/slides/slide4.xml><?xml version="1.0" encoding="utf-8"?>
+<file path=ppt/slides/slide5.xml><?xml version="1.0" encoding="utf-8"?>
 <p:sld xmlns:a="http://schemas.openxmlformats.org/drawingml/2006/main" xmlns:r="http://schemas.openxmlformats.org/officeDocument/2006/relationships" xmlns:p="http://schemas.openxmlformats.org/presentationml/2006/main">
   <p:cSld>
     <p:spTree>
